--- a/powerpoint.pptx
+++ b/powerpoint.pptx
@@ -24,8 +24,10 @@
     <p:sldId id="272" r:id="rId18"/>
     <p:sldId id="273" r:id="rId19"/>
     <p:sldId id="274" r:id="rId20"/>
-    <p:sldId id="275" r:id="rId21"/>
-    <p:sldId id="276" r:id="rId22"/>
+    <p:sldId id="276" r:id="rId21"/>
+    <p:sldId id="277" r:id="rId22"/>
+    <p:sldId id="278" r:id="rId23"/>
+    <p:sldId id="279" r:id="rId24"/>
   </p:sldIdLst>
   <p:sldSz cx="12192000" cy="6858000"/>
   <p:notesSz cx="6858000" cy="9144000"/>
@@ -124,6 +126,11 @@
       </a:defRPr>
     </a:lvl9pPr>
   </p:defaultTextStyle>
+  <p:extLst>
+    <p:ext uri="{EFAFB233-063F-42B5-8137-9DF3F51BA10A}">
+      <p15:sldGuideLst xmlns:p15="http://schemas.microsoft.com/office/powerpoint/2012/main"/>
+    </p:ext>
+  </p:extLst>
 </p:presentation>
 </file>
 
@@ -5386,44 +5393,8 @@
         </p:blipFill>
         <p:spPr>
           <a:xfrm>
-            <a:off x="7539624" y="4259336"/>
-            <a:ext cx="4198286" cy="2598664"/>
-          </a:xfrm>
-          <a:prstGeom prst="rect">
-            <a:avLst/>
-          </a:prstGeom>
-        </p:spPr>
-      </p:pic>
-      <p:pic>
-        <p:nvPicPr>
-          <p:cNvPr id="11" name="Picture 10" descr="Shape&#10;&#10;Description automatically generated with medium confidence">
-            <a:extLst>
-              <a:ext uri="{FF2B5EF4-FFF2-40B4-BE49-F238E27FC236}">
-                <a16:creationId xmlns:a16="http://schemas.microsoft.com/office/drawing/2014/main" id="{9C17D59D-F4DC-45C9-9036-5E8D609EA7E0}"/>
-              </a:ext>
-            </a:extLst>
-          </p:cNvPr>
-          <p:cNvPicPr>
-            <a:picLocks noChangeAspect="1"/>
-          </p:cNvPicPr>
-          <p:nvPr/>
-        </p:nvPicPr>
-        <p:blipFill>
-          <a:blip r:embed="rId3">
-            <a:extLst>
-              <a:ext uri="{28A0092B-C50C-407E-A947-70E740481C1C}">
-                <a14:useLocalDpi xmlns:a14="http://schemas.microsoft.com/office/drawing/2010/main" val="0"/>
-              </a:ext>
-            </a:extLst>
-          </a:blip>
-          <a:stretch>
-            <a:fillRect/>
-          </a:stretch>
-        </p:blipFill>
-        <p:spPr>
-          <a:xfrm rot="7076851">
-            <a:off x="10029432" y="3265049"/>
-            <a:ext cx="1538939" cy="874670"/>
+            <a:off x="5731373" y="3324387"/>
+            <a:ext cx="4909484" cy="3038883"/>
           </a:xfrm>
           <a:prstGeom prst="rect">
             <a:avLst/>
@@ -5609,7 +5580,7 @@
             </a:r>
             <a:r>
               <a:rPr lang="en-US" dirty="0"/>
-              <a:t>() (s=4)</a:t>
+              <a:t>()</a:t>
             </a:r>
             <a:endParaRPr lang="en-CA" dirty="0"/>
           </a:p>
@@ -5652,7 +5623,21 @@
             <a:pPr lvl="2"/>
             <a:r>
               <a:rPr lang="en-CA" dirty="0"/>
-              <a:t>For example: Having one empty tile until winning is much more valuable than having 3</a:t>
+              <a:t>For example: Having one empty tile till you win is much more valuable than having 3 empty tiles</a:t>
+            </a:r>
+          </a:p>
+          <a:p>
+            <a:pPr lvl="1"/>
+            <a:r>
+              <a:rPr lang="en-CA" dirty="0"/>
+              <a:t>Streaks which are in favor of the opponent will multiply this score by -1</a:t>
+            </a:r>
+          </a:p>
+          <a:p>
+            <a:pPr lvl="1"/>
+            <a:r>
+              <a:rPr lang="en-CA" dirty="0"/>
+              <a:t>A win nets an increase of 100000000000</a:t>
             </a:r>
           </a:p>
         </p:txBody>
@@ -5660,7 +5645,7 @@
     </p:spTree>
     <p:extLst>
       <p:ext uri="{BB962C8B-B14F-4D97-AF65-F5344CB8AC3E}">
-        <p14:creationId xmlns:p14="http://schemas.microsoft.com/office/powerpoint/2010/main" val="2441363481"/>
+        <p14:creationId xmlns:p14="http://schemas.microsoft.com/office/powerpoint/2010/main" val="2738853611"/>
       </p:ext>
     </p:extLst>
   </p:cSld>
@@ -5742,7 +5727,9 @@
         </p:nvSpPr>
         <p:spPr/>
         <p:txBody>
-          <a:bodyPr/>
+          <a:bodyPr>
+            <a:normAutofit/>
+          </a:bodyPr>
           <a:lstStyle/>
           <a:p>
             <a:r>
@@ -5754,40 +5741,553 @@
             <a:pPr lvl="1"/>
             <a:r>
               <a:rPr lang="en-CA" dirty="0"/>
-              <a:t>If we have a line with a potential winning combination, exponentially increase a total score by the winning length (s) subtracted by how many empty tiles are left</a:t>
+              <a:t>If we have a line with a potential winning combination, exponentially increase a total score by the winning length (s) subtracted by how many empty tiles are left by a power of 3</a:t>
+            </a:r>
+          </a:p>
+          <a:p>
+            <a:pPr lvl="1"/>
+            <a:r>
+              <a:rPr lang="en-CA" dirty="0"/>
+              <a:t>A win nets an increase of 100000000000</a:t>
+            </a:r>
+          </a:p>
+          <a:p>
+            <a:pPr lvl="1"/>
+            <a:endParaRPr lang="en-CA" dirty="0"/>
+          </a:p>
+          <a:p>
+            <a:pPr lvl="1"/>
+            <a:r>
+              <a:rPr lang="en-CA" dirty="0"/>
+              <a:t>Rows</a:t>
             </a:r>
           </a:p>
           <a:p>
             <a:pPr lvl="2"/>
             <a:r>
               <a:rPr lang="en-CA" dirty="0"/>
-              <a:t>For example: Having one empty tile until winning is much more valuable than having 3</a:t>
-            </a:r>
-          </a:p>
-          <a:p>
-            <a:pPr lvl="1"/>
-            <a:r>
-              <a:rPr lang="en-CA" dirty="0"/>
-              <a:t>A win nets an increase </a:t>
-            </a:r>
-            <a:r>
-              <a:rPr lang="en-CA"/>
-              <a:t>of 100000000000</a:t>
-            </a:r>
-            <a:endParaRPr lang="en-CA" b="0" dirty="0">
-              <a:solidFill>
-                <a:srgbClr val="D4D4D4"/>
-              </a:solidFill>
-              <a:effectLst/>
-              <a:latin typeface="Consolas" panose="020B0609020204030204" pitchFamily="49" charset="0"/>
-            </a:endParaRPr>
-          </a:p>
-        </p:txBody>
-      </p:sp>
+              <a:t>A1,B1,C1,D1 = win combination for O = 1</a:t>
+            </a:r>
+          </a:p>
+          <a:p>
+            <a:pPr lvl="2"/>
+            <a:r>
+              <a:rPr lang="en-CA" dirty="0"/>
+              <a:t>B1,C1,D1,E1 = win combination for O = 2</a:t>
+            </a:r>
+          </a:p>
+          <a:p>
+            <a:pPr lvl="2"/>
+            <a:r>
+              <a:rPr lang="en-CA" dirty="0"/>
+              <a:t>A2,B2,C2,D2 = win combination for O = 8</a:t>
+            </a:r>
+          </a:p>
+          <a:p>
+            <a:pPr lvl="1"/>
+            <a:r>
+              <a:rPr lang="en-CA" dirty="0"/>
+              <a:t>11</a:t>
+            </a:r>
+          </a:p>
+          <a:p>
+            <a:pPr lvl="1"/>
+            <a:endParaRPr lang="en-CA" dirty="0"/>
+          </a:p>
+          <a:p>
+            <a:pPr lvl="1"/>
+            <a:endParaRPr lang="en-CA" dirty="0"/>
+          </a:p>
+        </p:txBody>
+      </p:sp>
+      <p:pic>
+        <p:nvPicPr>
+          <p:cNvPr id="5" name="Picture 4">
+            <a:extLst>
+              <a:ext uri="{FF2B5EF4-FFF2-40B4-BE49-F238E27FC236}">
+                <a16:creationId xmlns:a16="http://schemas.microsoft.com/office/drawing/2014/main" id="{A5BB2C23-97C0-457B-9172-0F879F1E965B}"/>
+              </a:ext>
+            </a:extLst>
+          </p:cNvPr>
+          <p:cNvPicPr>
+            <a:picLocks noChangeAspect="1"/>
+          </p:cNvPicPr>
+          <p:nvPr/>
+        </p:nvPicPr>
+        <p:blipFill>
+          <a:blip r:embed="rId2"/>
+          <a:stretch>
+            <a:fillRect/>
+          </a:stretch>
+        </p:blipFill>
+        <p:spPr>
+          <a:xfrm>
+            <a:off x="7512050" y="3860799"/>
+            <a:ext cx="3522979" cy="2744787"/>
+          </a:xfrm>
+          <a:prstGeom prst="rect">
+            <a:avLst/>
+          </a:prstGeom>
+        </p:spPr>
+      </p:pic>
     </p:spTree>
     <p:extLst>
       <p:ext uri="{BB962C8B-B14F-4D97-AF65-F5344CB8AC3E}">
-        <p14:creationId xmlns:p14="http://schemas.microsoft.com/office/powerpoint/2010/main" val="2738853611"/>
+        <p14:creationId xmlns:p14="http://schemas.microsoft.com/office/powerpoint/2010/main" val="1286425005"/>
+      </p:ext>
+    </p:extLst>
+  </p:cSld>
+  <p:clrMapOvr>
+    <a:masterClrMapping/>
+  </p:clrMapOvr>
+</p:sld>
+</file>
+
+<file path=ppt/slides/slide22.xml><?xml version="1.0" encoding="utf-8"?>
+<p:sld xmlns:a="http://schemas.openxmlformats.org/drawingml/2006/main" xmlns:r="http://schemas.openxmlformats.org/officeDocument/2006/relationships" xmlns:p="http://schemas.openxmlformats.org/presentationml/2006/main">
+  <p:cSld>
+    <p:spTree>
+      <p:nvGrpSpPr>
+        <p:cNvPr id="1" name=""/>
+        <p:cNvGrpSpPr/>
+        <p:nvPr/>
+      </p:nvGrpSpPr>
+      <p:grpSpPr>
+        <a:xfrm>
+          <a:off x="0" y="0"/>
+          <a:ext cx="0" cy="0"/>
+          <a:chOff x="0" y="0"/>
+          <a:chExt cx="0" cy="0"/>
+        </a:xfrm>
+      </p:grpSpPr>
+      <p:sp>
+        <p:nvSpPr>
+          <p:cNvPr id="2" name="Title 1">
+            <a:extLst>
+              <a:ext uri="{FF2B5EF4-FFF2-40B4-BE49-F238E27FC236}">
+                <a16:creationId xmlns:a16="http://schemas.microsoft.com/office/drawing/2014/main" id="{A40B25A9-0394-4EE6-ADFB-B5CC49AD2AF2}"/>
+              </a:ext>
+            </a:extLst>
+          </p:cNvPr>
+          <p:cNvSpPr>
+            <a:spLocks noGrp="1"/>
+          </p:cNvSpPr>
+          <p:nvPr>
+            <p:ph type="title"/>
+          </p:nvPr>
+        </p:nvSpPr>
+        <p:spPr/>
+        <p:txBody>
+          <a:bodyPr/>
+          <a:lstStyle/>
+          <a:p>
+            <a:r>
+              <a:rPr lang="en-US" dirty="0"/>
+              <a:t>def </a:t>
+            </a:r>
+            <a:r>
+              <a:rPr lang="en-US" dirty="0" err="1"/>
+              <a:t>complex_heuristic</a:t>
+            </a:r>
+            <a:r>
+              <a:rPr lang="en-US" dirty="0"/>
+              <a:t>() (s=4)</a:t>
+            </a:r>
+            <a:endParaRPr lang="en-CA" dirty="0"/>
+          </a:p>
+        </p:txBody>
+      </p:sp>
+      <p:sp>
+        <p:nvSpPr>
+          <p:cNvPr id="3" name="Content Placeholder 2">
+            <a:extLst>
+              <a:ext uri="{FF2B5EF4-FFF2-40B4-BE49-F238E27FC236}">
+                <a16:creationId xmlns:a16="http://schemas.microsoft.com/office/drawing/2014/main" id="{32250B81-9494-4E55-83C9-9832F98ABED5}"/>
+              </a:ext>
+            </a:extLst>
+          </p:cNvPr>
+          <p:cNvSpPr>
+            <a:spLocks noGrp="1"/>
+          </p:cNvSpPr>
+          <p:nvPr>
+            <p:ph idx="1"/>
+          </p:nvPr>
+        </p:nvSpPr>
+        <p:spPr/>
+        <p:txBody>
+          <a:bodyPr>
+            <a:normAutofit fontScale="85000" lnSpcReduction="10000"/>
+          </a:bodyPr>
+          <a:lstStyle/>
+          <a:p>
+            <a:r>
+              <a:rPr lang="en-US" dirty="0"/>
+              <a:t>For each row, column and diagonal</a:t>
+            </a:r>
+          </a:p>
+          <a:p>
+            <a:pPr lvl="1"/>
+            <a:r>
+              <a:rPr lang="en-CA" dirty="0"/>
+              <a:t>If we have a line with a potential winning combination, exponentially increase a total score by the winning length (s) subtracted by how many empty tiles are left by a power of 3</a:t>
+            </a:r>
+          </a:p>
+          <a:p>
+            <a:pPr lvl="1"/>
+            <a:r>
+              <a:rPr lang="en-CA" dirty="0"/>
+              <a:t>A win nets an increase of 100000000000</a:t>
+            </a:r>
+          </a:p>
+          <a:p>
+            <a:pPr lvl="1"/>
+            <a:endParaRPr lang="en-CA" dirty="0"/>
+          </a:p>
+          <a:p>
+            <a:pPr lvl="1"/>
+            <a:r>
+              <a:rPr lang="en-CA" dirty="0"/>
+              <a:t>Columns</a:t>
+            </a:r>
+          </a:p>
+          <a:p>
+            <a:pPr lvl="2"/>
+            <a:r>
+              <a:rPr lang="en-CA" dirty="0"/>
+              <a:t>B0,B1,B2,B3 = win combination for O = 12</a:t>
+            </a:r>
+          </a:p>
+          <a:p>
+            <a:pPr lvl="2"/>
+            <a:r>
+              <a:rPr lang="en-CA" dirty="0"/>
+              <a:t>B1,B2,B3,B4 = win combination for O = 14</a:t>
+            </a:r>
+          </a:p>
+          <a:p>
+            <a:pPr lvl="2"/>
+            <a:r>
+              <a:rPr lang="en-CA" dirty="0"/>
+              <a:t>C0,C1,C2,C3 = win combination for O = 15</a:t>
+            </a:r>
+          </a:p>
+          <a:p>
+            <a:pPr lvl="2"/>
+            <a:r>
+              <a:rPr lang="en-CA" dirty="0"/>
+              <a:t>C1,C2,C3,C4 = win combination for O = 16</a:t>
+            </a:r>
+          </a:p>
+          <a:p>
+            <a:pPr lvl="2"/>
+            <a:r>
+              <a:rPr lang="en-CA" dirty="0"/>
+              <a:t>D0,D1,D2,D3 = win combination for O = 17</a:t>
+            </a:r>
+          </a:p>
+          <a:p>
+            <a:pPr lvl="2"/>
+            <a:r>
+              <a:rPr lang="en-CA" dirty="0"/>
+              <a:t>D1,D2,D3,D4 = win combination for O = 18</a:t>
+            </a:r>
+          </a:p>
+          <a:p>
+            <a:pPr lvl="2"/>
+            <a:r>
+              <a:rPr lang="en-CA" dirty="0"/>
+              <a:t>E0,E1,E2,E3 = win combination for X = 17</a:t>
+            </a:r>
+          </a:p>
+          <a:p>
+            <a:pPr lvl="2"/>
+            <a:r>
+              <a:rPr lang="en-CA" dirty="0"/>
+              <a:t>E1,E2,E3,E4 = win combination for X = 16</a:t>
+            </a:r>
+          </a:p>
+          <a:p>
+            <a:pPr lvl="1"/>
+            <a:r>
+              <a:rPr lang="en-CA" dirty="0"/>
+              <a:t>16</a:t>
+            </a:r>
+          </a:p>
+          <a:p>
+            <a:pPr lvl="2"/>
+            <a:endParaRPr lang="en-CA" dirty="0"/>
+          </a:p>
+          <a:p>
+            <a:pPr lvl="2"/>
+            <a:endParaRPr lang="en-CA" dirty="0"/>
+          </a:p>
+          <a:p>
+            <a:pPr lvl="2"/>
+            <a:endParaRPr lang="en-CA" dirty="0"/>
+          </a:p>
+          <a:p>
+            <a:pPr lvl="2"/>
+            <a:endParaRPr lang="en-CA" dirty="0"/>
+          </a:p>
+          <a:p>
+            <a:pPr lvl="1"/>
+            <a:endParaRPr lang="en-CA" dirty="0"/>
+          </a:p>
+          <a:p>
+            <a:pPr lvl="1"/>
+            <a:endParaRPr lang="en-CA" dirty="0"/>
+          </a:p>
+        </p:txBody>
+      </p:sp>
+      <p:pic>
+        <p:nvPicPr>
+          <p:cNvPr id="5" name="Picture 4">
+            <a:extLst>
+              <a:ext uri="{FF2B5EF4-FFF2-40B4-BE49-F238E27FC236}">
+                <a16:creationId xmlns:a16="http://schemas.microsoft.com/office/drawing/2014/main" id="{A5BB2C23-97C0-457B-9172-0F879F1E965B}"/>
+              </a:ext>
+            </a:extLst>
+          </p:cNvPr>
+          <p:cNvPicPr>
+            <a:picLocks noChangeAspect="1"/>
+          </p:cNvPicPr>
+          <p:nvPr/>
+        </p:nvPicPr>
+        <p:blipFill>
+          <a:blip r:embed="rId2"/>
+          <a:stretch>
+            <a:fillRect/>
+          </a:stretch>
+        </p:blipFill>
+        <p:spPr>
+          <a:xfrm>
+            <a:off x="7512050" y="3860799"/>
+            <a:ext cx="3522979" cy="2744787"/>
+          </a:xfrm>
+          <a:prstGeom prst="rect">
+            <a:avLst/>
+          </a:prstGeom>
+        </p:spPr>
+      </p:pic>
+    </p:spTree>
+    <p:extLst>
+      <p:ext uri="{BB962C8B-B14F-4D97-AF65-F5344CB8AC3E}">
+        <p14:creationId xmlns:p14="http://schemas.microsoft.com/office/powerpoint/2010/main" val="1659057035"/>
+      </p:ext>
+    </p:extLst>
+  </p:cSld>
+  <p:clrMapOvr>
+    <a:masterClrMapping/>
+  </p:clrMapOvr>
+</p:sld>
+</file>
+
+<file path=ppt/slides/slide23.xml><?xml version="1.0" encoding="utf-8"?>
+<p:sld xmlns:a="http://schemas.openxmlformats.org/drawingml/2006/main" xmlns:r="http://schemas.openxmlformats.org/officeDocument/2006/relationships" xmlns:p="http://schemas.openxmlformats.org/presentationml/2006/main">
+  <p:cSld>
+    <p:spTree>
+      <p:nvGrpSpPr>
+        <p:cNvPr id="1" name=""/>
+        <p:cNvGrpSpPr/>
+        <p:nvPr/>
+      </p:nvGrpSpPr>
+      <p:grpSpPr>
+        <a:xfrm>
+          <a:off x="0" y="0"/>
+          <a:ext cx="0" cy="0"/>
+          <a:chOff x="0" y="0"/>
+          <a:chExt cx="0" cy="0"/>
+        </a:xfrm>
+      </p:grpSpPr>
+      <p:sp>
+        <p:nvSpPr>
+          <p:cNvPr id="2" name="Title 1">
+            <a:extLst>
+              <a:ext uri="{FF2B5EF4-FFF2-40B4-BE49-F238E27FC236}">
+                <a16:creationId xmlns:a16="http://schemas.microsoft.com/office/drawing/2014/main" id="{A40B25A9-0394-4EE6-ADFB-B5CC49AD2AF2}"/>
+              </a:ext>
+            </a:extLst>
+          </p:cNvPr>
+          <p:cNvSpPr>
+            <a:spLocks noGrp="1"/>
+          </p:cNvSpPr>
+          <p:nvPr>
+            <p:ph type="title"/>
+          </p:nvPr>
+        </p:nvSpPr>
+        <p:spPr/>
+        <p:txBody>
+          <a:bodyPr/>
+          <a:lstStyle/>
+          <a:p>
+            <a:r>
+              <a:rPr lang="en-US" dirty="0"/>
+              <a:t>def </a:t>
+            </a:r>
+            <a:r>
+              <a:rPr lang="en-US" dirty="0" err="1"/>
+              <a:t>complex_heuristic</a:t>
+            </a:r>
+            <a:r>
+              <a:rPr lang="en-US" dirty="0"/>
+              <a:t>() (s=4)</a:t>
+            </a:r>
+            <a:endParaRPr lang="en-CA" dirty="0"/>
+          </a:p>
+        </p:txBody>
+      </p:sp>
+      <p:sp>
+        <p:nvSpPr>
+          <p:cNvPr id="3" name="Content Placeholder 2">
+            <a:extLst>
+              <a:ext uri="{FF2B5EF4-FFF2-40B4-BE49-F238E27FC236}">
+                <a16:creationId xmlns:a16="http://schemas.microsoft.com/office/drawing/2014/main" id="{32250B81-9494-4E55-83C9-9832F98ABED5}"/>
+              </a:ext>
+            </a:extLst>
+          </p:cNvPr>
+          <p:cNvSpPr>
+            <a:spLocks noGrp="1"/>
+          </p:cNvSpPr>
+          <p:nvPr>
+            <p:ph idx="1"/>
+          </p:nvPr>
+        </p:nvSpPr>
+        <p:spPr/>
+        <p:txBody>
+          <a:bodyPr>
+            <a:normAutofit lnSpcReduction="10000"/>
+          </a:bodyPr>
+          <a:lstStyle/>
+          <a:p>
+            <a:r>
+              <a:rPr lang="en-US" dirty="0"/>
+              <a:t>For each row, column and diagonal</a:t>
+            </a:r>
+          </a:p>
+          <a:p>
+            <a:pPr lvl="1"/>
+            <a:r>
+              <a:rPr lang="en-CA" dirty="0"/>
+              <a:t>If we have a line with a potential winning combination, exponentially increase a total score by the winning length (s) subtracted by how many empty tiles are left by a power of 3</a:t>
+            </a:r>
+          </a:p>
+          <a:p>
+            <a:pPr lvl="1"/>
+            <a:r>
+              <a:rPr lang="en-CA" dirty="0"/>
+              <a:t>A win nets an increase of 100000000000</a:t>
+            </a:r>
+          </a:p>
+          <a:p>
+            <a:pPr lvl="1"/>
+            <a:endParaRPr lang="en-CA" dirty="0"/>
+          </a:p>
+          <a:p>
+            <a:pPr lvl="1"/>
+            <a:r>
+              <a:rPr lang="en-CA" dirty="0"/>
+              <a:t>Diagonals</a:t>
+            </a:r>
+          </a:p>
+          <a:p>
+            <a:pPr lvl="2"/>
+            <a:r>
+              <a:rPr lang="en-CA" dirty="0"/>
+              <a:t>B1,C2,D3,E4 = win combination for O = 26</a:t>
+            </a:r>
+          </a:p>
+          <a:p>
+            <a:pPr lvl="2"/>
+            <a:r>
+              <a:rPr lang="en-CA" dirty="0"/>
+              <a:t>B0,C1,D2,E3 = win combination for O = 28</a:t>
+            </a:r>
+          </a:p>
+          <a:p>
+            <a:pPr lvl="2"/>
+            <a:r>
+              <a:rPr lang="en-CA" dirty="0"/>
+              <a:t>E0,D1,C2,B3 = win combination for O = 30</a:t>
+            </a:r>
+          </a:p>
+          <a:p>
+            <a:pPr lvl="2"/>
+            <a:r>
+              <a:rPr lang="en-CA" dirty="0"/>
+              <a:t>E1,D2,C3,B4 = win combination for O = 32</a:t>
+            </a:r>
+          </a:p>
+          <a:p>
+            <a:pPr lvl="2"/>
+            <a:endParaRPr lang="en-CA" dirty="0"/>
+          </a:p>
+          <a:p>
+            <a:pPr lvl="1"/>
+            <a:r>
+              <a:rPr lang="en-CA" dirty="0"/>
+              <a:t>Total score = 32</a:t>
+            </a:r>
+          </a:p>
+          <a:p>
+            <a:pPr lvl="2"/>
+            <a:endParaRPr lang="en-CA" dirty="0"/>
+          </a:p>
+          <a:p>
+            <a:pPr lvl="2"/>
+            <a:endParaRPr lang="en-CA" dirty="0"/>
+          </a:p>
+          <a:p>
+            <a:pPr lvl="2"/>
+            <a:endParaRPr lang="en-CA" dirty="0"/>
+          </a:p>
+          <a:p>
+            <a:pPr lvl="2"/>
+            <a:endParaRPr lang="en-CA" dirty="0"/>
+          </a:p>
+          <a:p>
+            <a:pPr lvl="1"/>
+            <a:endParaRPr lang="en-CA" dirty="0"/>
+          </a:p>
+          <a:p>
+            <a:pPr lvl="1"/>
+            <a:endParaRPr lang="en-CA" dirty="0"/>
+          </a:p>
+        </p:txBody>
+      </p:sp>
+      <p:pic>
+        <p:nvPicPr>
+          <p:cNvPr id="5" name="Picture 4">
+            <a:extLst>
+              <a:ext uri="{FF2B5EF4-FFF2-40B4-BE49-F238E27FC236}">
+                <a16:creationId xmlns:a16="http://schemas.microsoft.com/office/drawing/2014/main" id="{A5BB2C23-97C0-457B-9172-0F879F1E965B}"/>
+              </a:ext>
+            </a:extLst>
+          </p:cNvPr>
+          <p:cNvPicPr>
+            <a:picLocks noChangeAspect="1"/>
+          </p:cNvPicPr>
+          <p:nvPr/>
+        </p:nvPicPr>
+        <p:blipFill>
+          <a:blip r:embed="rId2"/>
+          <a:stretch>
+            <a:fillRect/>
+          </a:stretch>
+        </p:blipFill>
+        <p:spPr>
+          <a:xfrm>
+            <a:off x="7512050" y="3860799"/>
+            <a:ext cx="3522979" cy="2744787"/>
+          </a:xfrm>
+          <a:prstGeom prst="rect">
+            <a:avLst/>
+          </a:prstGeom>
+        </p:spPr>
+      </p:pic>
+    </p:spTree>
+    <p:extLst>
+      <p:ext uri="{BB962C8B-B14F-4D97-AF65-F5344CB8AC3E}">
+        <p14:creationId xmlns:p14="http://schemas.microsoft.com/office/powerpoint/2010/main" val="174421409"/>
       </p:ext>
     </p:extLst>
   </p:cSld>
